--- a/Calendario2025/Presentaciones/9_Topologias.pptx
+++ b/Calendario2025/Presentaciones/9_Topologias.pptx
@@ -231,7 +231,7 @@
           <a:p>
             <a:fld id="{CFD15F0F-6D28-499C-8425-A9347399C9A5}" type="datetimeFigureOut">
               <a:rPr lang="es-MX" smtClean="0"/>
-              <a:t>15/02/2024</a:t>
+              <a:t>12/02/2025</a:t>
             </a:fld>
             <a:endParaRPr lang="es-MX"/>
           </a:p>
@@ -396,7 +396,7 @@
           <a:p>
             <a:fld id="{2D445F07-8756-451B-A938-0248325FC7BB}" type="datetimeFigureOut">
               <a:rPr lang="es-MX" smtClean="0"/>
-              <a:t>15/02/2024</a:t>
+              <a:t>12/02/2025</a:t>
             </a:fld>
             <a:endParaRPr lang="es-MX" dirty="0"/>
           </a:p>
@@ -1619,7 +1619,7 @@
           <a:p>
             <a:fld id="{5E75A0DC-66C6-4CEC-A5EB-F8C97CEC3796}" type="datetimeFigureOut">
               <a:rPr lang="es-MX" smtClean="0"/>
-              <a:t>15/02/2024</a:t>
+              <a:t>12/02/2025</a:t>
             </a:fld>
             <a:endParaRPr lang="es-MX" dirty="0"/>
           </a:p>
@@ -1789,7 +1789,7 @@
           <a:p>
             <a:fld id="{5E75A0DC-66C6-4CEC-A5EB-F8C97CEC3796}" type="datetimeFigureOut">
               <a:rPr lang="es-MX" smtClean="0"/>
-              <a:t>15/02/2024</a:t>
+              <a:t>12/02/2025</a:t>
             </a:fld>
             <a:endParaRPr lang="es-MX" dirty="0"/>
           </a:p>
@@ -1969,7 +1969,7 @@
           <a:p>
             <a:fld id="{5E75A0DC-66C6-4CEC-A5EB-F8C97CEC3796}" type="datetimeFigureOut">
               <a:rPr lang="es-MX" smtClean="0"/>
-              <a:t>15/02/2024</a:t>
+              <a:t>12/02/2025</a:t>
             </a:fld>
             <a:endParaRPr lang="es-MX" dirty="0"/>
           </a:p>
@@ -2619,7 +2619,7 @@
           <a:p>
             <a:fld id="{5E75A0DC-66C6-4CEC-A5EB-F8C97CEC3796}" type="datetimeFigureOut">
               <a:rPr lang="es-MX" smtClean="0"/>
-              <a:t>15/02/2024</a:t>
+              <a:t>12/02/2025</a:t>
             </a:fld>
             <a:endParaRPr lang="es-MX" dirty="0"/>
           </a:p>
@@ -2865,7 +2865,7 @@
           <a:p>
             <a:fld id="{5E75A0DC-66C6-4CEC-A5EB-F8C97CEC3796}" type="datetimeFigureOut">
               <a:rPr lang="es-MX" smtClean="0"/>
-              <a:t>15/02/2024</a:t>
+              <a:t>12/02/2025</a:t>
             </a:fld>
             <a:endParaRPr lang="es-MX" dirty="0"/>
           </a:p>
@@ -3153,7 +3153,7 @@
           <a:p>
             <a:fld id="{5E75A0DC-66C6-4CEC-A5EB-F8C97CEC3796}" type="datetimeFigureOut">
               <a:rPr lang="es-MX" smtClean="0"/>
-              <a:t>15/02/2024</a:t>
+              <a:t>12/02/2025</a:t>
             </a:fld>
             <a:endParaRPr lang="es-MX" dirty="0"/>
           </a:p>
@@ -3575,7 +3575,7 @@
           <a:p>
             <a:fld id="{5E75A0DC-66C6-4CEC-A5EB-F8C97CEC3796}" type="datetimeFigureOut">
               <a:rPr lang="es-MX" smtClean="0"/>
-              <a:t>15/02/2024</a:t>
+              <a:t>12/02/2025</a:t>
             </a:fld>
             <a:endParaRPr lang="es-MX" dirty="0"/>
           </a:p>
@@ -3693,7 +3693,7 @@
           <a:p>
             <a:fld id="{5E75A0DC-66C6-4CEC-A5EB-F8C97CEC3796}" type="datetimeFigureOut">
               <a:rPr lang="es-MX" smtClean="0"/>
-              <a:t>15/02/2024</a:t>
+              <a:t>12/02/2025</a:t>
             </a:fld>
             <a:endParaRPr lang="es-MX" dirty="0"/>
           </a:p>
@@ -3788,7 +3788,7 @@
           <a:p>
             <a:fld id="{5E75A0DC-66C6-4CEC-A5EB-F8C97CEC3796}" type="datetimeFigureOut">
               <a:rPr lang="es-MX" smtClean="0"/>
-              <a:t>15/02/2024</a:t>
+              <a:t>12/02/2025</a:t>
             </a:fld>
             <a:endParaRPr lang="es-MX" dirty="0"/>
           </a:p>
@@ -4065,7 +4065,7 @@
           <a:p>
             <a:fld id="{5E75A0DC-66C6-4CEC-A5EB-F8C97CEC3796}" type="datetimeFigureOut">
               <a:rPr lang="es-MX" smtClean="0"/>
-              <a:t>15/02/2024</a:t>
+              <a:t>12/02/2025</a:t>
             </a:fld>
             <a:endParaRPr lang="es-MX" dirty="0"/>
           </a:p>
@@ -4318,7 +4318,7 @@
           <a:p>
             <a:fld id="{5E75A0DC-66C6-4CEC-A5EB-F8C97CEC3796}" type="datetimeFigureOut">
               <a:rPr lang="es-MX" smtClean="0"/>
-              <a:t>15/02/2024</a:t>
+              <a:t>12/02/2025</a:t>
             </a:fld>
             <a:endParaRPr lang="es-MX" dirty="0"/>
           </a:p>
@@ -4531,7 +4531,7 @@
           <a:p>
             <a:fld id="{5E75A0DC-66C6-4CEC-A5EB-F8C97CEC3796}" type="datetimeFigureOut">
               <a:rPr lang="es-MX" smtClean="0"/>
-              <a:t>15/02/2024</a:t>
+              <a:t>12/02/2025</a:t>
             </a:fld>
             <a:endParaRPr lang="es-MX" dirty="0"/>
           </a:p>
